--- a/賴宥齊_script.pptx
+++ b/賴宥齊_script.pptx
@@ -5,7 +5,7 @@
     <p:sldMasterId id="2147483648" r:id="rId1"/>
   </p:sldMasterIdLst>
   <p:notesMasterIdLst>
-    <p:notesMasterId r:id="rId15"/>
+    <p:notesMasterId r:id="rId16"/>
   </p:notesMasterIdLst>
   <p:sldIdLst>
     <p:sldId id="256" r:id="rId2"/>
@@ -20,7 +20,8 @@
     <p:sldId id="270" r:id="rId11"/>
     <p:sldId id="262" r:id="rId12"/>
     <p:sldId id="261" r:id="rId13"/>
-    <p:sldId id="260" r:id="rId14"/>
+    <p:sldId id="271" r:id="rId14"/>
+    <p:sldId id="260" r:id="rId15"/>
   </p:sldIdLst>
   <p:sldSz cx="12192000" cy="6858000"/>
   <p:notesSz cx="6858000" cy="9144000"/>
@@ -209,7 +210,7 @@
           <a:p>
             <a:fld id="{15BD3534-9708-4AB8-9105-0D23A229F0E7}" type="datetimeFigureOut">
               <a:rPr lang="zh-TW" altLang="en-US" smtClean="0"/>
-              <a:t>2024/8/2</a:t>
+              <a:t>2024/8/5</a:t>
             </a:fld>
             <a:endParaRPr lang="zh-TW" altLang="en-US"/>
           </a:p>
@@ -1335,7 +1336,7 @@
           <a:p>
             <a:fld id="{7A0285AA-3BCB-47DF-B28E-6560743F28DA}" type="datetimeFigureOut">
               <a:rPr lang="zh-TW" altLang="en-US" smtClean="0"/>
-              <a:t>2024/8/2</a:t>
+              <a:t>2024/8/5</a:t>
             </a:fld>
             <a:endParaRPr lang="zh-TW" altLang="en-US"/>
           </a:p>
@@ -1505,7 +1506,7 @@
           <a:p>
             <a:fld id="{7A0285AA-3BCB-47DF-B28E-6560743F28DA}" type="datetimeFigureOut">
               <a:rPr lang="zh-TW" altLang="en-US" smtClean="0"/>
-              <a:t>2024/8/2</a:t>
+              <a:t>2024/8/5</a:t>
             </a:fld>
             <a:endParaRPr lang="zh-TW" altLang="en-US"/>
           </a:p>
@@ -1685,7 +1686,7 @@
           <a:p>
             <a:fld id="{7A0285AA-3BCB-47DF-B28E-6560743F28DA}" type="datetimeFigureOut">
               <a:rPr lang="zh-TW" altLang="en-US" smtClean="0"/>
-              <a:t>2024/8/2</a:t>
+              <a:t>2024/8/5</a:t>
             </a:fld>
             <a:endParaRPr lang="zh-TW" altLang="en-US"/>
           </a:p>
@@ -1855,7 +1856,7 @@
           <a:p>
             <a:fld id="{7A0285AA-3BCB-47DF-B28E-6560743F28DA}" type="datetimeFigureOut">
               <a:rPr lang="zh-TW" altLang="en-US" smtClean="0"/>
-              <a:t>2024/8/2</a:t>
+              <a:t>2024/8/5</a:t>
             </a:fld>
             <a:endParaRPr lang="zh-TW" altLang="en-US"/>
           </a:p>
@@ -2101,7 +2102,7 @@
           <a:p>
             <a:fld id="{7A0285AA-3BCB-47DF-B28E-6560743F28DA}" type="datetimeFigureOut">
               <a:rPr lang="zh-TW" altLang="en-US" smtClean="0"/>
-              <a:t>2024/8/2</a:t>
+              <a:t>2024/8/5</a:t>
             </a:fld>
             <a:endParaRPr lang="zh-TW" altLang="en-US"/>
           </a:p>
@@ -2333,7 +2334,7 @@
           <a:p>
             <a:fld id="{7A0285AA-3BCB-47DF-B28E-6560743F28DA}" type="datetimeFigureOut">
               <a:rPr lang="zh-TW" altLang="en-US" smtClean="0"/>
-              <a:t>2024/8/2</a:t>
+              <a:t>2024/8/5</a:t>
             </a:fld>
             <a:endParaRPr lang="zh-TW" altLang="en-US"/>
           </a:p>
@@ -2700,7 +2701,7 @@
           <a:p>
             <a:fld id="{7A0285AA-3BCB-47DF-B28E-6560743F28DA}" type="datetimeFigureOut">
               <a:rPr lang="zh-TW" altLang="en-US" smtClean="0"/>
-              <a:t>2024/8/2</a:t>
+              <a:t>2024/8/5</a:t>
             </a:fld>
             <a:endParaRPr lang="zh-TW" altLang="en-US"/>
           </a:p>
@@ -2818,7 +2819,7 @@
           <a:p>
             <a:fld id="{7A0285AA-3BCB-47DF-B28E-6560743F28DA}" type="datetimeFigureOut">
               <a:rPr lang="zh-TW" altLang="en-US" smtClean="0"/>
-              <a:t>2024/8/2</a:t>
+              <a:t>2024/8/5</a:t>
             </a:fld>
             <a:endParaRPr lang="zh-TW" altLang="en-US"/>
           </a:p>
@@ -2913,7 +2914,7 @@
           <a:p>
             <a:fld id="{7A0285AA-3BCB-47DF-B28E-6560743F28DA}" type="datetimeFigureOut">
               <a:rPr lang="zh-TW" altLang="en-US" smtClean="0"/>
-              <a:t>2024/8/2</a:t>
+              <a:t>2024/8/5</a:t>
             </a:fld>
             <a:endParaRPr lang="zh-TW" altLang="en-US"/>
           </a:p>
@@ -3190,7 +3191,7 @@
           <a:p>
             <a:fld id="{7A0285AA-3BCB-47DF-B28E-6560743F28DA}" type="datetimeFigureOut">
               <a:rPr lang="zh-TW" altLang="en-US" smtClean="0"/>
-              <a:t>2024/8/2</a:t>
+              <a:t>2024/8/5</a:t>
             </a:fld>
             <a:endParaRPr lang="zh-TW" altLang="en-US"/>
           </a:p>
@@ -3443,7 +3444,7 @@
           <a:p>
             <a:fld id="{7A0285AA-3BCB-47DF-B28E-6560743F28DA}" type="datetimeFigureOut">
               <a:rPr lang="zh-TW" altLang="en-US" smtClean="0"/>
-              <a:t>2024/8/2</a:t>
+              <a:t>2024/8/5</a:t>
             </a:fld>
             <a:endParaRPr lang="zh-TW" altLang="en-US"/>
           </a:p>
@@ -3656,7 +3657,7 @@
           <a:p>
             <a:fld id="{7A0285AA-3BCB-47DF-B28E-6560743F28DA}" type="datetimeFigureOut">
               <a:rPr lang="zh-TW" altLang="en-US" smtClean="0"/>
-              <a:t>2024/8/2</a:t>
+              <a:t>2024/8/5</a:t>
             </a:fld>
             <a:endParaRPr lang="zh-TW" altLang="en-US"/>
           </a:p>
@@ -4658,8 +4659,8 @@
         </p:blipFill>
         <p:spPr>
           <a:xfrm>
-            <a:off x="2904013" y="1690688"/>
-            <a:ext cx="6383973" cy="4867589"/>
+            <a:off x="3251882" y="1465063"/>
+            <a:ext cx="7462501" cy="5225901"/>
           </a:xfrm>
           <a:prstGeom prst="rect">
             <a:avLst/>
@@ -4757,15 +4758,7 @@
             <a:pPr lvl="1"/>
             <a:r>
               <a:rPr lang="en-US" altLang="zh-TW" dirty="0" smtClean="0"/>
-              <a:t>(VD &amp; SD)     </a:t>
-            </a:r>
-            <a:r>
-              <a:rPr lang="en-US" altLang="zh-TW" dirty="0" smtClean="0"/>
-              <a:t>Payload </a:t>
-            </a:r>
-            <a:r>
-              <a:rPr lang="en-US" altLang="zh-TW" dirty="0" smtClean="0"/>
-              <a:t>is generated sequentially starting from 00 except the padding bytes which are 0.</a:t>
+              <a:t>(VD &amp; SD)     Payload is generated sequentially starting from 00 except the padding bytes which are 0.</a:t>
             </a:r>
           </a:p>
           <a:p>
@@ -4790,17 +4783,8 @@
             </a:r>
             <a:r>
               <a:rPr lang="en-US" altLang="zh-TW" dirty="0" smtClean="0"/>
-              <a:t>ength field and </a:t>
-            </a:r>
-            <a:r>
-              <a:rPr lang="en-US" altLang="zh-TW" dirty="0" smtClean="0"/>
-              <a:t>HEC</a:t>
-            </a:r>
-            <a:r>
-              <a:rPr lang="en-US" altLang="zh-TW" dirty="0" smtClean="0"/>
-              <a:t>.</a:t>
-            </a:r>
-            <a:endParaRPr lang="en-US" altLang="zh-TW" dirty="0" smtClean="0"/>
+              <a:t>ength field and HEC.</a:t>
+            </a:r>
           </a:p>
           <a:p>
             <a:endParaRPr lang="en-US" altLang="zh-TW" dirty="0" smtClean="0"/>
@@ -4886,6 +4870,1369 @@
           <a:p>
             <a:r>
               <a:rPr lang="en-US" altLang="zh-TW" dirty="0" smtClean="0"/>
+              <a:t>Method</a:t>
+            </a:r>
+            <a:endParaRPr lang="zh-TW" altLang="en-US" dirty="0"/>
+          </a:p>
+        </p:txBody>
+      </p:sp>
+      <p:graphicFrame>
+        <p:nvGraphicFramePr>
+          <p:cNvPr id="4" name="表格 3"/>
+          <p:cNvGraphicFramePr>
+            <a:graphicFrameLocks noGrp="1"/>
+          </p:cNvGraphicFramePr>
+          <p:nvPr>
+            <p:extLst>
+              <p:ext uri="{D42A27DB-BD31-4B8C-83A1-F6EECF244321}">
+                <p14:modId xmlns:p14="http://schemas.microsoft.com/office/powerpoint/2010/main" val="2531061237"/>
+              </p:ext>
+            </p:extLst>
+          </p:nvPr>
+        </p:nvGraphicFramePr>
+        <p:xfrm>
+          <a:off x="1376017" y="1571418"/>
+          <a:ext cx="9439965" cy="4820920"/>
+        </p:xfrm>
+        <a:graphic>
+          <a:graphicData uri="http://schemas.openxmlformats.org/drawingml/2006/table">
+            <a:tbl>
+              <a:tblPr firstRow="1" bandRow="1">
+                <a:tableStyleId>{5FD0F851-EC5A-4D38-B0AD-8093EC10F338}</a:tableStyleId>
+              </a:tblPr>
+              <a:tblGrid>
+                <a:gridCol w="1887993">
+                  <a:extLst>
+                    <a:ext uri="{9D8B030D-6E8A-4147-A177-3AD203B41FA5}">
+                      <a16:colId xmlns:a16="http://schemas.microsoft.com/office/drawing/2014/main" val="3211366129"/>
+                    </a:ext>
+                  </a:extLst>
+                </a:gridCol>
+                <a:gridCol w="1887993">
+                  <a:extLst>
+                    <a:ext uri="{9D8B030D-6E8A-4147-A177-3AD203B41FA5}">
+                      <a16:colId xmlns:a16="http://schemas.microsoft.com/office/drawing/2014/main" val="2201486051"/>
+                    </a:ext>
+                  </a:extLst>
+                </a:gridCol>
+                <a:gridCol w="1887993">
+                  <a:extLst>
+                    <a:ext uri="{9D8B030D-6E8A-4147-A177-3AD203B41FA5}">
+                      <a16:colId xmlns:a16="http://schemas.microsoft.com/office/drawing/2014/main" val="3402295868"/>
+                    </a:ext>
+                  </a:extLst>
+                </a:gridCol>
+                <a:gridCol w="1887993">
+                  <a:extLst>
+                    <a:ext uri="{9D8B030D-6E8A-4147-A177-3AD203B41FA5}">
+                      <a16:colId xmlns:a16="http://schemas.microsoft.com/office/drawing/2014/main" val="1652793189"/>
+                    </a:ext>
+                  </a:extLst>
+                </a:gridCol>
+                <a:gridCol w="1887993">
+                  <a:extLst>
+                    <a:ext uri="{9D8B030D-6E8A-4147-A177-3AD203B41FA5}">
+                      <a16:colId xmlns:a16="http://schemas.microsoft.com/office/drawing/2014/main" val="718150093"/>
+                    </a:ext>
+                  </a:extLst>
+                </a:gridCol>
+              </a:tblGrid>
+              <a:tr h="370840">
+                <a:tc>
+                  <a:txBody>
+                    <a:bodyPr/>
+                    <a:lstStyle/>
+                    <a:p>
+                      <a:endParaRPr lang="zh-TW" altLang="en-US" dirty="0"/>
+                    </a:p>
+                  </a:txBody>
+                  <a:tcPr/>
+                </a:tc>
+                <a:tc>
+                  <a:txBody>
+                    <a:bodyPr/>
+                    <a:lstStyle/>
+                    <a:p>
+                      <a:endParaRPr lang="zh-TW" altLang="en-US"/>
+                    </a:p>
+                  </a:txBody>
+                  <a:tcPr/>
+                </a:tc>
+                <a:tc>
+                  <a:txBody>
+                    <a:bodyPr/>
+                    <a:lstStyle/>
+                    <a:p>
+                      <a:r>
+                        <a:rPr lang="en-US" altLang="zh-TW" dirty="0" err="1" smtClean="0"/>
+                        <a:t>Enum</a:t>
+                      </a:r>
+                      <a:r>
+                        <a:rPr lang="en-US" altLang="zh-TW" baseline="0" dirty="0" smtClean="0"/>
+                        <a:t> Values</a:t>
+                      </a:r>
+                      <a:endParaRPr lang="zh-TW" altLang="en-US" dirty="0"/>
+                    </a:p>
+                  </a:txBody>
+                  <a:tcPr/>
+                </a:tc>
+                <a:tc>
+                  <a:txBody>
+                    <a:bodyPr/>
+                    <a:lstStyle/>
+                    <a:p>
+                      <a:endParaRPr lang="zh-TW" altLang="en-US" dirty="0"/>
+                    </a:p>
+                  </a:txBody>
+                  <a:tcPr/>
+                </a:tc>
+                <a:tc>
+                  <a:txBody>
+                    <a:bodyPr/>
+                    <a:lstStyle/>
+                    <a:p>
+                      <a:endParaRPr lang="zh-TW" altLang="en-US"/>
+                    </a:p>
+                  </a:txBody>
+                  <a:tcPr/>
+                </a:tc>
+                <a:extLst>
+                  <a:ext uri="{0D108BD9-81ED-4DB2-BD59-A6C34878D82A}">
+                    <a16:rowId xmlns:a16="http://schemas.microsoft.com/office/drawing/2014/main" val="3223469161"/>
+                  </a:ext>
+                </a:extLst>
+              </a:tr>
+              <a:tr h="370840">
+                <a:tc>
+                  <a:txBody>
+                    <a:bodyPr/>
+                    <a:lstStyle/>
+                    <a:p>
+                      <a:pPr algn="ctr"/>
+                      <a:r>
+                        <a:rPr lang="en-US" altLang="zh-TW" dirty="0" smtClean="0"/>
+                        <a:t>ZERO</a:t>
+                      </a:r>
+                      <a:endParaRPr lang="zh-TW" altLang="en-US" dirty="0"/>
+                    </a:p>
+                  </a:txBody>
+                  <a:tcPr/>
+                </a:tc>
+                <a:tc>
+                  <a:txBody>
+                    <a:bodyPr/>
+                    <a:lstStyle/>
+                    <a:p>
+                      <a:pPr algn="ctr"/>
+                      <a:r>
+                        <a:rPr lang="en-US" altLang="zh-TW" dirty="0" smtClean="0"/>
+                        <a:t>VBID</a:t>
+                      </a:r>
+                      <a:endParaRPr lang="zh-TW" altLang="en-US" dirty="0"/>
+                    </a:p>
+                  </a:txBody>
+                  <a:tcPr/>
+                </a:tc>
+                <a:tc>
+                  <a:txBody>
+                    <a:bodyPr/>
+                    <a:lstStyle/>
+                    <a:p>
+                      <a:pPr algn="ctr"/>
+                      <a:r>
+                        <a:rPr lang="en-US" altLang="zh-TW" dirty="0" smtClean="0"/>
+                        <a:t>MVID</a:t>
+                      </a:r>
+                      <a:r>
+                        <a:rPr lang="en-US" altLang="zh-TW" baseline="0" dirty="0" smtClean="0"/>
+                        <a:t> </a:t>
+                      </a:r>
+                      <a:r>
+                        <a:rPr lang="en-US" altLang="zh-TW" dirty="0" smtClean="0"/>
+                        <a:t>23:16</a:t>
+                      </a:r>
+                      <a:endParaRPr lang="zh-TW" altLang="en-US" dirty="0"/>
+                    </a:p>
+                  </a:txBody>
+                  <a:tcPr/>
+                </a:tc>
+                <a:tc>
+                  <a:txBody>
+                    <a:bodyPr/>
+                    <a:lstStyle/>
+                    <a:p>
+                      <a:pPr algn="ctr"/>
+                      <a:r>
+                        <a:rPr lang="en-US" altLang="zh-TW" dirty="0" smtClean="0"/>
+                        <a:t>MVID</a:t>
+                      </a:r>
+                      <a:r>
+                        <a:rPr lang="en-US" altLang="zh-TW" baseline="0" dirty="0" smtClean="0"/>
+                        <a:t> </a:t>
+                      </a:r>
+                      <a:r>
+                        <a:rPr lang="en-US" altLang="zh-TW" dirty="0" smtClean="0"/>
+                        <a:t>15:8</a:t>
+                      </a:r>
+                      <a:endParaRPr lang="zh-TW" altLang="en-US" dirty="0"/>
+                    </a:p>
+                  </a:txBody>
+                  <a:tcPr/>
+                </a:tc>
+                <a:tc>
+                  <a:txBody>
+                    <a:bodyPr/>
+                    <a:lstStyle/>
+                    <a:p>
+                      <a:pPr algn="ctr"/>
+                      <a:r>
+                        <a:rPr lang="en-US" altLang="zh-TW" dirty="0" smtClean="0"/>
+                        <a:t>MVID</a:t>
+                      </a:r>
+                      <a:r>
+                        <a:rPr lang="en-US" altLang="zh-TW" baseline="0" dirty="0" smtClean="0"/>
+                        <a:t> </a:t>
+                      </a:r>
+                      <a:r>
+                        <a:rPr lang="en-US" altLang="zh-TW" dirty="0" smtClean="0"/>
+                        <a:t>7:0 (MVID)</a:t>
+                      </a:r>
+                      <a:endParaRPr lang="zh-TW" altLang="en-US" dirty="0"/>
+                    </a:p>
+                  </a:txBody>
+                  <a:tcPr/>
+                </a:tc>
+                <a:extLst>
+                  <a:ext uri="{0D108BD9-81ED-4DB2-BD59-A6C34878D82A}">
+                    <a16:rowId xmlns:a16="http://schemas.microsoft.com/office/drawing/2014/main" val="3639645579"/>
+                  </a:ext>
+                </a:extLst>
+              </a:tr>
+              <a:tr h="370840">
+                <a:tc>
+                  <a:txBody>
+                    <a:bodyPr/>
+                    <a:lstStyle/>
+                    <a:p>
+                      <a:pPr algn="ctr"/>
+                      <a:r>
+                        <a:rPr lang="en-US" altLang="zh-TW" dirty="0" smtClean="0"/>
+                        <a:t>0</a:t>
+                      </a:r>
+                      <a:endParaRPr lang="zh-TW" altLang="en-US" dirty="0"/>
+                    </a:p>
+                  </a:txBody>
+                  <a:tcPr/>
+                </a:tc>
+                <a:tc>
+                  <a:txBody>
+                    <a:bodyPr/>
+                    <a:lstStyle/>
+                    <a:p>
+                      <a:pPr algn="ctr"/>
+                      <a:r>
+                        <a:rPr lang="en-US" altLang="zh-TW" dirty="0" smtClean="0"/>
+                        <a:t>1</a:t>
+                      </a:r>
+                      <a:endParaRPr lang="zh-TW" altLang="en-US" dirty="0"/>
+                    </a:p>
+                  </a:txBody>
+                  <a:tcPr/>
+                </a:tc>
+                <a:tc>
+                  <a:txBody>
+                    <a:bodyPr/>
+                    <a:lstStyle/>
+                    <a:p>
+                      <a:pPr algn="ctr"/>
+                      <a:r>
+                        <a:rPr lang="en-US" altLang="zh-TW" dirty="0" smtClean="0"/>
+                        <a:t>2</a:t>
+                      </a:r>
+                      <a:endParaRPr lang="zh-TW" altLang="en-US" dirty="0"/>
+                    </a:p>
+                  </a:txBody>
+                  <a:tcPr/>
+                </a:tc>
+                <a:tc>
+                  <a:txBody>
+                    <a:bodyPr/>
+                    <a:lstStyle/>
+                    <a:p>
+                      <a:pPr algn="ctr"/>
+                      <a:r>
+                        <a:rPr lang="en-US" altLang="zh-TW" dirty="0" smtClean="0"/>
+                        <a:t>3</a:t>
+                      </a:r>
+                      <a:endParaRPr lang="zh-TW" altLang="en-US" dirty="0"/>
+                    </a:p>
+                  </a:txBody>
+                  <a:tcPr/>
+                </a:tc>
+                <a:tc>
+                  <a:txBody>
+                    <a:bodyPr/>
+                    <a:lstStyle/>
+                    <a:p>
+                      <a:pPr algn="ctr"/>
+                      <a:r>
+                        <a:rPr lang="en-US" altLang="zh-TW" dirty="0" smtClean="0"/>
+                        <a:t>4</a:t>
+                      </a:r>
+                      <a:endParaRPr lang="zh-TW" altLang="en-US" dirty="0"/>
+                    </a:p>
+                  </a:txBody>
+                  <a:tcPr/>
+                </a:tc>
+                <a:extLst>
+                  <a:ext uri="{0D108BD9-81ED-4DB2-BD59-A6C34878D82A}">
+                    <a16:rowId xmlns:a16="http://schemas.microsoft.com/office/drawing/2014/main" val="1076382715"/>
+                  </a:ext>
+                </a:extLst>
+              </a:tr>
+              <a:tr h="370840">
+                <a:tc>
+                  <a:txBody>
+                    <a:bodyPr/>
+                    <a:lstStyle/>
+                    <a:p>
+                      <a:pPr algn="ctr"/>
+                      <a:r>
+                        <a:rPr lang="en-US" altLang="zh-TW" dirty="0" smtClean="0"/>
+                        <a:t>MAUD</a:t>
+                      </a:r>
+                      <a:r>
+                        <a:rPr lang="en-US" altLang="zh-TW" baseline="0" dirty="0" smtClean="0"/>
+                        <a:t> </a:t>
+                      </a:r>
+                      <a:r>
+                        <a:rPr lang="en-US" altLang="zh-TW" dirty="0" smtClean="0"/>
+                        <a:t>23:16</a:t>
+                      </a:r>
+                      <a:endParaRPr lang="zh-TW" altLang="en-US" dirty="0"/>
+                    </a:p>
+                  </a:txBody>
+                  <a:tcPr/>
+                </a:tc>
+                <a:tc>
+                  <a:txBody>
+                    <a:bodyPr/>
+                    <a:lstStyle/>
+                    <a:p>
+                      <a:pPr algn="ctr"/>
+                      <a:r>
+                        <a:rPr lang="en-US" altLang="zh-TW" dirty="0" smtClean="0"/>
+                        <a:t>MAUD</a:t>
+                      </a:r>
+                      <a:r>
+                        <a:rPr lang="en-US" altLang="zh-TW" baseline="0" dirty="0" smtClean="0"/>
+                        <a:t> </a:t>
+                      </a:r>
+                      <a:r>
+                        <a:rPr lang="en-US" altLang="zh-TW" dirty="0" smtClean="0"/>
+                        <a:t>15:8</a:t>
+                      </a:r>
+                      <a:endParaRPr lang="zh-TW" altLang="en-US" dirty="0"/>
+                    </a:p>
+                  </a:txBody>
+                  <a:tcPr/>
+                </a:tc>
+                <a:tc>
+                  <a:txBody>
+                    <a:bodyPr/>
+                    <a:lstStyle/>
+                    <a:p>
+                      <a:pPr algn="ctr"/>
+                      <a:r>
+                        <a:rPr lang="en-US" altLang="zh-TW" dirty="0" smtClean="0"/>
+                        <a:t>MAUD</a:t>
+                      </a:r>
+                      <a:r>
+                        <a:rPr lang="en-US" altLang="zh-TW" baseline="0" dirty="0" smtClean="0"/>
+                        <a:t> </a:t>
+                      </a:r>
+                      <a:r>
+                        <a:rPr lang="en-US" altLang="zh-TW" dirty="0" smtClean="0"/>
+                        <a:t>7:0</a:t>
+                      </a:r>
+                      <a:endParaRPr lang="zh-TW" altLang="en-US" dirty="0"/>
+                    </a:p>
+                  </a:txBody>
+                  <a:tcPr/>
+                </a:tc>
+                <a:tc>
+                  <a:txBody>
+                    <a:bodyPr/>
+                    <a:lstStyle/>
+                    <a:p>
+                      <a:pPr algn="ctr"/>
+                      <a:r>
+                        <a:rPr lang="en-US" altLang="zh-TW" dirty="0" smtClean="0"/>
+                        <a:t>NVID</a:t>
+                      </a:r>
+                      <a:r>
+                        <a:rPr lang="en-US" altLang="zh-TW" baseline="0" dirty="0" smtClean="0"/>
+                        <a:t> </a:t>
+                      </a:r>
+                      <a:r>
+                        <a:rPr lang="en-US" altLang="zh-TW" dirty="0" smtClean="0"/>
+                        <a:t>23:16</a:t>
+                      </a:r>
+                      <a:endParaRPr lang="zh-TW" altLang="en-US" dirty="0"/>
+                    </a:p>
+                  </a:txBody>
+                  <a:tcPr/>
+                </a:tc>
+                <a:tc>
+                  <a:txBody>
+                    <a:bodyPr/>
+                    <a:lstStyle/>
+                    <a:p>
+                      <a:pPr algn="ctr"/>
+                      <a:r>
+                        <a:rPr lang="en-US" altLang="zh-TW" dirty="0" smtClean="0"/>
+                        <a:t>NVID</a:t>
+                      </a:r>
+                      <a:r>
+                        <a:rPr lang="en-US" altLang="zh-TW" baseline="0" dirty="0" smtClean="0"/>
+                        <a:t> </a:t>
+                      </a:r>
+                      <a:r>
+                        <a:rPr lang="en-US" altLang="zh-TW" dirty="0" smtClean="0"/>
+                        <a:t>15:8</a:t>
+                      </a:r>
+                      <a:endParaRPr lang="zh-TW" altLang="en-US" dirty="0"/>
+                    </a:p>
+                  </a:txBody>
+                  <a:tcPr/>
+                </a:tc>
+                <a:extLst>
+                  <a:ext uri="{0D108BD9-81ED-4DB2-BD59-A6C34878D82A}">
+                    <a16:rowId xmlns:a16="http://schemas.microsoft.com/office/drawing/2014/main" val="963907998"/>
+                  </a:ext>
+                </a:extLst>
+              </a:tr>
+              <a:tr h="370840">
+                <a:tc>
+                  <a:txBody>
+                    <a:bodyPr/>
+                    <a:lstStyle/>
+                    <a:p>
+                      <a:pPr algn="ctr"/>
+                      <a:r>
+                        <a:rPr lang="en-US" altLang="zh-TW" dirty="0" smtClean="0"/>
+                        <a:t>5</a:t>
+                      </a:r>
+                      <a:endParaRPr lang="zh-TW" altLang="en-US" dirty="0"/>
+                    </a:p>
+                  </a:txBody>
+                  <a:tcPr/>
+                </a:tc>
+                <a:tc>
+                  <a:txBody>
+                    <a:bodyPr/>
+                    <a:lstStyle/>
+                    <a:p>
+                      <a:pPr algn="ctr"/>
+                      <a:r>
+                        <a:rPr lang="en-US" altLang="zh-TW" dirty="0" smtClean="0"/>
+                        <a:t>6</a:t>
+                      </a:r>
+                      <a:endParaRPr lang="zh-TW" altLang="en-US" dirty="0"/>
+                    </a:p>
+                  </a:txBody>
+                  <a:tcPr/>
+                </a:tc>
+                <a:tc>
+                  <a:txBody>
+                    <a:bodyPr/>
+                    <a:lstStyle/>
+                    <a:p>
+                      <a:pPr algn="ctr"/>
+                      <a:r>
+                        <a:rPr lang="en-US" altLang="zh-TW" dirty="0" smtClean="0"/>
+                        <a:t>7</a:t>
+                      </a:r>
+                      <a:endParaRPr lang="zh-TW" altLang="en-US" dirty="0"/>
+                    </a:p>
+                  </a:txBody>
+                  <a:tcPr/>
+                </a:tc>
+                <a:tc>
+                  <a:txBody>
+                    <a:bodyPr/>
+                    <a:lstStyle/>
+                    <a:p>
+                      <a:pPr algn="ctr"/>
+                      <a:r>
+                        <a:rPr lang="en-US" altLang="zh-TW" dirty="0" smtClean="0"/>
+                        <a:t>8</a:t>
+                      </a:r>
+                      <a:endParaRPr lang="zh-TW" altLang="en-US" dirty="0"/>
+                    </a:p>
+                  </a:txBody>
+                  <a:tcPr/>
+                </a:tc>
+                <a:tc>
+                  <a:txBody>
+                    <a:bodyPr/>
+                    <a:lstStyle/>
+                    <a:p>
+                      <a:pPr algn="ctr"/>
+                      <a:r>
+                        <a:rPr lang="en-US" altLang="zh-TW" dirty="0" smtClean="0"/>
+                        <a:t>9</a:t>
+                      </a:r>
+                      <a:endParaRPr lang="zh-TW" altLang="en-US" dirty="0"/>
+                    </a:p>
+                  </a:txBody>
+                  <a:tcPr/>
+                </a:tc>
+                <a:extLst>
+                  <a:ext uri="{0D108BD9-81ED-4DB2-BD59-A6C34878D82A}">
+                    <a16:rowId xmlns:a16="http://schemas.microsoft.com/office/drawing/2014/main" val="2921562958"/>
+                  </a:ext>
+                </a:extLst>
+              </a:tr>
+              <a:tr h="370840">
+                <a:tc>
+                  <a:txBody>
+                    <a:bodyPr/>
+                    <a:lstStyle/>
+                    <a:p>
+                      <a:pPr algn="ctr"/>
+                      <a:r>
+                        <a:rPr lang="en-US" altLang="zh-TW" dirty="0" smtClean="0"/>
+                        <a:t>NVID</a:t>
+                      </a:r>
+                      <a:r>
+                        <a:rPr lang="en-US" altLang="zh-TW" baseline="0" dirty="0" smtClean="0"/>
+                        <a:t> </a:t>
+                      </a:r>
+                      <a:r>
+                        <a:rPr lang="en-US" altLang="zh-TW" dirty="0" smtClean="0"/>
+                        <a:t>7:0</a:t>
+                      </a:r>
+                      <a:endParaRPr lang="zh-TW" altLang="en-US" dirty="0"/>
+                    </a:p>
+                  </a:txBody>
+                  <a:tcPr/>
+                </a:tc>
+                <a:tc>
+                  <a:txBody>
+                    <a:bodyPr/>
+                    <a:lstStyle/>
+                    <a:p>
+                      <a:pPr algn="ctr"/>
+                      <a:r>
+                        <a:rPr lang="en-US" altLang="zh-TW" dirty="0" smtClean="0"/>
+                        <a:t>HTOTAL</a:t>
+                      </a:r>
+                      <a:r>
+                        <a:rPr lang="en-US" altLang="zh-TW" baseline="0" dirty="0" smtClean="0"/>
+                        <a:t> </a:t>
+                      </a:r>
+                      <a:r>
+                        <a:rPr lang="en-US" altLang="zh-TW" dirty="0" smtClean="0"/>
+                        <a:t>15:8</a:t>
+                      </a:r>
+                      <a:endParaRPr lang="zh-TW" altLang="en-US" dirty="0"/>
+                    </a:p>
+                  </a:txBody>
+                  <a:tcPr/>
+                </a:tc>
+                <a:tc>
+                  <a:txBody>
+                    <a:bodyPr/>
+                    <a:lstStyle/>
+                    <a:p>
+                      <a:pPr algn="ctr"/>
+                      <a:r>
+                        <a:rPr lang="en-US" altLang="zh-TW" dirty="0" smtClean="0"/>
+                        <a:t>HTOTAL</a:t>
+                      </a:r>
+                      <a:r>
+                        <a:rPr lang="en-US" altLang="zh-TW" baseline="0" dirty="0" smtClean="0"/>
+                        <a:t> </a:t>
+                      </a:r>
+                      <a:r>
+                        <a:rPr lang="en-US" altLang="zh-TW" dirty="0" smtClean="0"/>
+                        <a:t>7:0</a:t>
+                      </a:r>
+                      <a:endParaRPr lang="zh-TW" altLang="en-US" dirty="0"/>
+                    </a:p>
+                  </a:txBody>
+                  <a:tcPr/>
+                </a:tc>
+                <a:tc>
+                  <a:txBody>
+                    <a:bodyPr/>
+                    <a:lstStyle/>
+                    <a:p>
+                      <a:pPr algn="ctr"/>
+                      <a:r>
+                        <a:rPr lang="en-US" altLang="zh-TW" dirty="0" smtClean="0"/>
+                        <a:t>HSTART</a:t>
+                      </a:r>
+                      <a:r>
+                        <a:rPr lang="en-US" altLang="zh-TW" baseline="0" dirty="0" smtClean="0"/>
+                        <a:t> </a:t>
+                      </a:r>
+                      <a:r>
+                        <a:rPr lang="en-US" altLang="zh-TW" dirty="0" smtClean="0"/>
+                        <a:t>15:8</a:t>
+                      </a:r>
+                      <a:endParaRPr lang="zh-TW" altLang="en-US" dirty="0"/>
+                    </a:p>
+                  </a:txBody>
+                  <a:tcPr/>
+                </a:tc>
+                <a:tc>
+                  <a:txBody>
+                    <a:bodyPr/>
+                    <a:lstStyle/>
+                    <a:p>
+                      <a:pPr algn="ctr"/>
+                      <a:r>
+                        <a:rPr lang="en-US" altLang="zh-TW" dirty="0" smtClean="0"/>
+                        <a:t>HSTART</a:t>
+                      </a:r>
+                      <a:r>
+                        <a:rPr lang="en-US" altLang="zh-TW" baseline="0" dirty="0" smtClean="0"/>
+                        <a:t> </a:t>
+                      </a:r>
+                      <a:r>
+                        <a:rPr lang="en-US" altLang="zh-TW" dirty="0" smtClean="0"/>
+                        <a:t>7:0</a:t>
+                      </a:r>
+                      <a:endParaRPr lang="zh-TW" altLang="en-US" dirty="0"/>
+                    </a:p>
+                  </a:txBody>
+                  <a:tcPr/>
+                </a:tc>
+                <a:extLst>
+                  <a:ext uri="{0D108BD9-81ED-4DB2-BD59-A6C34878D82A}">
+                    <a16:rowId xmlns:a16="http://schemas.microsoft.com/office/drawing/2014/main" val="1962698154"/>
+                  </a:ext>
+                </a:extLst>
+              </a:tr>
+              <a:tr h="370840">
+                <a:tc>
+                  <a:txBody>
+                    <a:bodyPr/>
+                    <a:lstStyle/>
+                    <a:p>
+                      <a:pPr algn="ctr"/>
+                      <a:r>
+                        <a:rPr lang="en-US" altLang="zh-TW" dirty="0" smtClean="0"/>
+                        <a:t>10</a:t>
+                      </a:r>
+                      <a:endParaRPr lang="zh-TW" altLang="en-US" dirty="0"/>
+                    </a:p>
+                  </a:txBody>
+                  <a:tcPr/>
+                </a:tc>
+                <a:tc>
+                  <a:txBody>
+                    <a:bodyPr/>
+                    <a:lstStyle/>
+                    <a:p>
+                      <a:pPr algn="ctr"/>
+                      <a:r>
+                        <a:rPr lang="en-US" altLang="zh-TW" dirty="0" smtClean="0"/>
+                        <a:t>11</a:t>
+                      </a:r>
+                      <a:endParaRPr lang="zh-TW" altLang="en-US" dirty="0"/>
+                    </a:p>
+                  </a:txBody>
+                  <a:tcPr/>
+                </a:tc>
+                <a:tc>
+                  <a:txBody>
+                    <a:bodyPr/>
+                    <a:lstStyle/>
+                    <a:p>
+                      <a:pPr algn="ctr"/>
+                      <a:r>
+                        <a:rPr lang="en-US" altLang="zh-TW" dirty="0" smtClean="0"/>
+                        <a:t>12</a:t>
+                      </a:r>
+                      <a:endParaRPr lang="zh-TW" altLang="en-US" dirty="0"/>
+                    </a:p>
+                  </a:txBody>
+                  <a:tcPr/>
+                </a:tc>
+                <a:tc>
+                  <a:txBody>
+                    <a:bodyPr/>
+                    <a:lstStyle/>
+                    <a:p>
+                      <a:pPr algn="ctr"/>
+                      <a:r>
+                        <a:rPr lang="en-US" altLang="zh-TW" dirty="0" smtClean="0"/>
+                        <a:t>13</a:t>
+                      </a:r>
+                      <a:endParaRPr lang="zh-TW" altLang="en-US" dirty="0"/>
+                    </a:p>
+                  </a:txBody>
+                  <a:tcPr/>
+                </a:tc>
+                <a:tc>
+                  <a:txBody>
+                    <a:bodyPr/>
+                    <a:lstStyle/>
+                    <a:p>
+                      <a:pPr algn="ctr"/>
+                      <a:r>
+                        <a:rPr lang="en-US" altLang="zh-TW" dirty="0" smtClean="0"/>
+                        <a:t>14</a:t>
+                      </a:r>
+                      <a:endParaRPr lang="zh-TW" altLang="en-US" dirty="0"/>
+                    </a:p>
+                  </a:txBody>
+                  <a:tcPr/>
+                </a:tc>
+                <a:extLst>
+                  <a:ext uri="{0D108BD9-81ED-4DB2-BD59-A6C34878D82A}">
+                    <a16:rowId xmlns:a16="http://schemas.microsoft.com/office/drawing/2014/main" val="1945247457"/>
+                  </a:ext>
+                </a:extLst>
+              </a:tr>
+              <a:tr h="370840">
+                <a:tc>
+                  <a:txBody>
+                    <a:bodyPr/>
+                    <a:lstStyle/>
+                    <a:p>
+                      <a:pPr algn="ctr"/>
+                      <a:r>
+                        <a:rPr lang="en-US" altLang="zh-TW" dirty="0" smtClean="0"/>
+                        <a:t>HWIDTH</a:t>
+                      </a:r>
+                      <a:r>
+                        <a:rPr lang="en-US" altLang="zh-TW" baseline="0" dirty="0" smtClean="0"/>
+                        <a:t> </a:t>
+                      </a:r>
+                      <a:r>
+                        <a:rPr lang="en-US" altLang="zh-TW" dirty="0" smtClean="0"/>
+                        <a:t>15:8</a:t>
+                      </a:r>
+                      <a:endParaRPr lang="zh-TW" altLang="en-US" dirty="0"/>
+                    </a:p>
+                  </a:txBody>
+                  <a:tcPr/>
+                </a:tc>
+                <a:tc>
+                  <a:txBody>
+                    <a:bodyPr/>
+                    <a:lstStyle/>
+                    <a:p>
+                      <a:pPr algn="ctr"/>
+                      <a:r>
+                        <a:rPr lang="en-US" altLang="zh-TW" dirty="0" smtClean="0"/>
+                        <a:t>HWIDTH</a:t>
+                      </a:r>
+                      <a:r>
+                        <a:rPr lang="en-US" altLang="zh-TW" baseline="0" dirty="0" smtClean="0"/>
+                        <a:t> </a:t>
+                      </a:r>
+                      <a:r>
+                        <a:rPr lang="en-US" altLang="zh-TW" dirty="0" smtClean="0"/>
+                        <a:t>7:0</a:t>
+                      </a:r>
+                      <a:endParaRPr lang="zh-TW" altLang="en-US" dirty="0"/>
+                    </a:p>
+                  </a:txBody>
+                  <a:tcPr/>
+                </a:tc>
+                <a:tc>
+                  <a:txBody>
+                    <a:bodyPr/>
+                    <a:lstStyle/>
+                    <a:p>
+                      <a:pPr algn="ctr"/>
+                      <a:r>
+                        <a:rPr lang="en-US" altLang="zh-TW" dirty="0" smtClean="0"/>
+                        <a:t>VTOTAL</a:t>
+                      </a:r>
+                      <a:r>
+                        <a:rPr lang="en-US" altLang="zh-TW" baseline="0" dirty="0" smtClean="0"/>
+                        <a:t> </a:t>
+                      </a:r>
+                      <a:r>
+                        <a:rPr lang="en-US" altLang="zh-TW" dirty="0" smtClean="0"/>
+                        <a:t>15:8</a:t>
+                      </a:r>
+                      <a:endParaRPr lang="zh-TW" altLang="en-US" dirty="0"/>
+                    </a:p>
+                  </a:txBody>
+                  <a:tcPr/>
+                </a:tc>
+                <a:tc>
+                  <a:txBody>
+                    <a:bodyPr/>
+                    <a:lstStyle/>
+                    <a:p>
+                      <a:pPr algn="ctr"/>
+                      <a:r>
+                        <a:rPr lang="en-US" altLang="zh-TW" dirty="0" smtClean="0"/>
+                        <a:t>VTOTAL</a:t>
+                      </a:r>
+                      <a:r>
+                        <a:rPr lang="en-US" altLang="zh-TW" baseline="0" dirty="0" smtClean="0"/>
+                        <a:t> </a:t>
+                      </a:r>
+                      <a:r>
+                        <a:rPr lang="en-US" altLang="zh-TW" dirty="0" smtClean="0"/>
+                        <a:t>7:0</a:t>
+                      </a:r>
+                      <a:endParaRPr lang="zh-TW" altLang="en-US" dirty="0"/>
+                    </a:p>
+                  </a:txBody>
+                  <a:tcPr/>
+                </a:tc>
+                <a:tc>
+                  <a:txBody>
+                    <a:bodyPr/>
+                    <a:lstStyle/>
+                    <a:p>
+                      <a:pPr algn="ctr"/>
+                      <a:r>
+                        <a:rPr lang="en-US" altLang="zh-TW" dirty="0" smtClean="0"/>
+                        <a:t>VSTART</a:t>
+                      </a:r>
+                      <a:r>
+                        <a:rPr lang="en-US" altLang="zh-TW" baseline="0" dirty="0" smtClean="0"/>
+                        <a:t> </a:t>
+                      </a:r>
+                      <a:r>
+                        <a:rPr lang="en-US" altLang="zh-TW" dirty="0" smtClean="0"/>
+                        <a:t>15:8</a:t>
+                      </a:r>
+                      <a:endParaRPr lang="zh-TW" altLang="en-US" dirty="0"/>
+                    </a:p>
+                  </a:txBody>
+                  <a:tcPr/>
+                </a:tc>
+                <a:extLst>
+                  <a:ext uri="{0D108BD9-81ED-4DB2-BD59-A6C34878D82A}">
+                    <a16:rowId xmlns:a16="http://schemas.microsoft.com/office/drawing/2014/main" val="1472134256"/>
+                  </a:ext>
+                </a:extLst>
+              </a:tr>
+              <a:tr h="370840">
+                <a:tc>
+                  <a:txBody>
+                    <a:bodyPr/>
+                    <a:lstStyle/>
+                    <a:p>
+                      <a:pPr algn="ctr"/>
+                      <a:r>
+                        <a:rPr lang="en-US" altLang="zh-TW" dirty="0" smtClean="0"/>
+                        <a:t>15</a:t>
+                      </a:r>
+                      <a:endParaRPr lang="zh-TW" altLang="en-US" dirty="0"/>
+                    </a:p>
+                  </a:txBody>
+                  <a:tcPr/>
+                </a:tc>
+                <a:tc>
+                  <a:txBody>
+                    <a:bodyPr/>
+                    <a:lstStyle/>
+                    <a:p>
+                      <a:pPr algn="ctr"/>
+                      <a:r>
+                        <a:rPr lang="en-US" altLang="zh-TW" dirty="0" smtClean="0"/>
+                        <a:t>16</a:t>
+                      </a:r>
+                      <a:endParaRPr lang="zh-TW" altLang="en-US" dirty="0"/>
+                    </a:p>
+                  </a:txBody>
+                  <a:tcPr/>
+                </a:tc>
+                <a:tc>
+                  <a:txBody>
+                    <a:bodyPr/>
+                    <a:lstStyle/>
+                    <a:p>
+                      <a:pPr algn="ctr"/>
+                      <a:r>
+                        <a:rPr lang="en-US" altLang="zh-TW" dirty="0" smtClean="0"/>
+                        <a:t>17</a:t>
+                      </a:r>
+                      <a:endParaRPr lang="zh-TW" altLang="en-US" dirty="0"/>
+                    </a:p>
+                  </a:txBody>
+                  <a:tcPr/>
+                </a:tc>
+                <a:tc>
+                  <a:txBody>
+                    <a:bodyPr/>
+                    <a:lstStyle/>
+                    <a:p>
+                      <a:pPr algn="ctr"/>
+                      <a:r>
+                        <a:rPr lang="en-US" altLang="zh-TW" dirty="0" smtClean="0"/>
+                        <a:t>18</a:t>
+                      </a:r>
+                      <a:endParaRPr lang="zh-TW" altLang="en-US" dirty="0"/>
+                    </a:p>
+                  </a:txBody>
+                  <a:tcPr/>
+                </a:tc>
+                <a:tc>
+                  <a:txBody>
+                    <a:bodyPr/>
+                    <a:lstStyle/>
+                    <a:p>
+                      <a:pPr algn="ctr"/>
+                      <a:r>
+                        <a:rPr lang="en-US" altLang="zh-TW" dirty="0" smtClean="0"/>
+                        <a:t>19</a:t>
+                      </a:r>
+                      <a:endParaRPr lang="zh-TW" altLang="en-US" dirty="0"/>
+                    </a:p>
+                  </a:txBody>
+                  <a:tcPr/>
+                </a:tc>
+                <a:extLst>
+                  <a:ext uri="{0D108BD9-81ED-4DB2-BD59-A6C34878D82A}">
+                    <a16:rowId xmlns:a16="http://schemas.microsoft.com/office/drawing/2014/main" val="1162389010"/>
+                  </a:ext>
+                </a:extLst>
+              </a:tr>
+              <a:tr h="370840">
+                <a:tc>
+                  <a:txBody>
+                    <a:bodyPr/>
+                    <a:lstStyle/>
+                    <a:p>
+                      <a:pPr algn="ctr"/>
+                      <a:r>
+                        <a:rPr lang="en-US" altLang="zh-TW" dirty="0" smtClean="0"/>
+                        <a:t>VSTART</a:t>
+                      </a:r>
+                      <a:r>
+                        <a:rPr lang="en-US" altLang="zh-TW" baseline="0" dirty="0" smtClean="0"/>
+                        <a:t> </a:t>
+                      </a:r>
+                      <a:r>
+                        <a:rPr lang="en-US" altLang="zh-TW" dirty="0" smtClean="0"/>
+                        <a:t>7:0</a:t>
+                      </a:r>
+                      <a:endParaRPr lang="zh-TW" altLang="en-US" dirty="0"/>
+                    </a:p>
+                  </a:txBody>
+                  <a:tcPr/>
+                </a:tc>
+                <a:tc>
+                  <a:txBody>
+                    <a:bodyPr/>
+                    <a:lstStyle/>
+                    <a:p>
+                      <a:pPr algn="ctr"/>
+                      <a:r>
+                        <a:rPr lang="en-US" altLang="zh-TW" dirty="0" smtClean="0"/>
+                        <a:t>VHEIGHT</a:t>
+                      </a:r>
+                      <a:r>
+                        <a:rPr lang="en-US" altLang="zh-TW" baseline="0" dirty="0" smtClean="0"/>
+                        <a:t> </a:t>
+                      </a:r>
+                      <a:r>
+                        <a:rPr lang="en-US" altLang="zh-TW" dirty="0" smtClean="0"/>
+                        <a:t>15:8</a:t>
+                      </a:r>
+                      <a:endParaRPr lang="zh-TW" altLang="en-US" dirty="0"/>
+                    </a:p>
+                  </a:txBody>
+                  <a:tcPr/>
+                </a:tc>
+                <a:tc>
+                  <a:txBody>
+                    <a:bodyPr/>
+                    <a:lstStyle/>
+                    <a:p>
+                      <a:pPr algn="ctr"/>
+                      <a:r>
+                        <a:rPr lang="en-US" altLang="zh-TW" dirty="0" smtClean="0"/>
+                        <a:t>VHEIGHT</a:t>
+                      </a:r>
+                      <a:r>
+                        <a:rPr lang="en-US" altLang="zh-TW" baseline="0" dirty="0" smtClean="0"/>
+                        <a:t> </a:t>
+                      </a:r>
+                      <a:r>
+                        <a:rPr lang="en-US" altLang="zh-TW" dirty="0" smtClean="0"/>
+                        <a:t>7:0</a:t>
+                      </a:r>
+                      <a:endParaRPr lang="zh-TW" altLang="en-US" dirty="0"/>
+                    </a:p>
+                  </a:txBody>
+                  <a:tcPr/>
+                </a:tc>
+                <a:tc>
+                  <a:txBody>
+                    <a:bodyPr/>
+                    <a:lstStyle/>
+                    <a:p>
+                      <a:pPr algn="ctr"/>
+                      <a:r>
+                        <a:rPr lang="en-US" altLang="zh-TW" dirty="0" smtClean="0"/>
+                        <a:t>MISC0</a:t>
+                      </a:r>
+                      <a:r>
+                        <a:rPr lang="en-US" altLang="zh-TW" baseline="0" dirty="0" smtClean="0"/>
+                        <a:t> </a:t>
+                      </a:r>
+                      <a:r>
+                        <a:rPr lang="en-US" altLang="zh-TW" dirty="0" smtClean="0"/>
+                        <a:t>7:0</a:t>
+                      </a:r>
+                      <a:endParaRPr lang="zh-TW" altLang="en-US" dirty="0"/>
+                    </a:p>
+                  </a:txBody>
+                  <a:tcPr/>
+                </a:tc>
+                <a:tc>
+                  <a:txBody>
+                    <a:bodyPr/>
+                    <a:lstStyle/>
+                    <a:p>
+                      <a:pPr algn="ctr"/>
+                      <a:r>
+                        <a:rPr lang="en-US" altLang="zh-TW" dirty="0" smtClean="0"/>
+                        <a:t>MISC1</a:t>
+                      </a:r>
+                      <a:r>
+                        <a:rPr lang="en-US" altLang="zh-TW" baseline="0" dirty="0" smtClean="0"/>
+                        <a:t> </a:t>
+                      </a:r>
+                      <a:r>
+                        <a:rPr lang="en-US" altLang="zh-TW" dirty="0" smtClean="0"/>
+                        <a:t>7:0</a:t>
+                      </a:r>
+                      <a:endParaRPr lang="zh-TW" altLang="en-US" dirty="0"/>
+                    </a:p>
+                  </a:txBody>
+                  <a:tcPr/>
+                </a:tc>
+                <a:extLst>
+                  <a:ext uri="{0D108BD9-81ED-4DB2-BD59-A6C34878D82A}">
+                    <a16:rowId xmlns:a16="http://schemas.microsoft.com/office/drawing/2014/main" val="1441575969"/>
+                  </a:ext>
+                </a:extLst>
+              </a:tr>
+              <a:tr h="370840">
+                <a:tc>
+                  <a:txBody>
+                    <a:bodyPr/>
+                    <a:lstStyle/>
+                    <a:p>
+                      <a:pPr algn="ctr"/>
+                      <a:r>
+                        <a:rPr lang="en-US" altLang="zh-TW" dirty="0" smtClean="0"/>
+                        <a:t>20</a:t>
+                      </a:r>
+                      <a:endParaRPr lang="zh-TW" altLang="en-US" dirty="0"/>
+                    </a:p>
+                  </a:txBody>
+                  <a:tcPr/>
+                </a:tc>
+                <a:tc>
+                  <a:txBody>
+                    <a:bodyPr/>
+                    <a:lstStyle/>
+                    <a:p>
+                      <a:pPr algn="ctr"/>
+                      <a:r>
+                        <a:rPr lang="en-US" altLang="zh-TW" dirty="0" smtClean="0"/>
+                        <a:t>21</a:t>
+                      </a:r>
+                      <a:endParaRPr lang="zh-TW" altLang="en-US" dirty="0"/>
+                    </a:p>
+                  </a:txBody>
+                  <a:tcPr/>
+                </a:tc>
+                <a:tc>
+                  <a:txBody>
+                    <a:bodyPr/>
+                    <a:lstStyle/>
+                    <a:p>
+                      <a:pPr algn="ctr"/>
+                      <a:r>
+                        <a:rPr lang="en-US" altLang="zh-TW" dirty="0" smtClean="0"/>
+                        <a:t>22</a:t>
+                      </a:r>
+                      <a:endParaRPr lang="zh-TW" altLang="en-US" dirty="0"/>
+                    </a:p>
+                  </a:txBody>
+                  <a:tcPr/>
+                </a:tc>
+                <a:tc>
+                  <a:txBody>
+                    <a:bodyPr/>
+                    <a:lstStyle/>
+                    <a:p>
+                      <a:pPr algn="ctr"/>
+                      <a:r>
+                        <a:rPr lang="en-US" altLang="zh-TW" dirty="0" smtClean="0"/>
+                        <a:t>23</a:t>
+                      </a:r>
+                      <a:endParaRPr lang="zh-TW" altLang="en-US" dirty="0"/>
+                    </a:p>
+                  </a:txBody>
+                  <a:tcPr/>
+                </a:tc>
+                <a:tc>
+                  <a:txBody>
+                    <a:bodyPr/>
+                    <a:lstStyle/>
+                    <a:p>
+                      <a:pPr algn="ctr"/>
+                      <a:r>
+                        <a:rPr lang="en-US" altLang="zh-TW" dirty="0" smtClean="0"/>
+                        <a:t>24</a:t>
+                      </a:r>
+                      <a:endParaRPr lang="zh-TW" altLang="en-US" dirty="0"/>
+                    </a:p>
+                  </a:txBody>
+                  <a:tcPr/>
+                </a:tc>
+                <a:extLst>
+                  <a:ext uri="{0D108BD9-81ED-4DB2-BD59-A6C34878D82A}">
+                    <a16:rowId xmlns:a16="http://schemas.microsoft.com/office/drawing/2014/main" val="1379605397"/>
+                  </a:ext>
+                </a:extLst>
+              </a:tr>
+              <a:tr h="370840">
+                <a:tc>
+                  <a:txBody>
+                    <a:bodyPr/>
+                    <a:lstStyle/>
+                    <a:p>
+                      <a:pPr algn="ctr"/>
+                      <a:r>
+                        <a:rPr lang="en-US" altLang="zh-TW" dirty="0" smtClean="0"/>
+                        <a:t>HSP,</a:t>
+                      </a:r>
+                      <a:r>
+                        <a:rPr lang="en-US" altLang="zh-TW" baseline="0" dirty="0" smtClean="0"/>
+                        <a:t> </a:t>
+                      </a:r>
+                      <a:r>
+                        <a:rPr lang="en-US" altLang="zh-TW" dirty="0" smtClean="0"/>
+                        <a:t>HSW</a:t>
+                      </a:r>
+                      <a:r>
+                        <a:rPr lang="en-US" altLang="zh-TW" baseline="0" dirty="0" smtClean="0"/>
+                        <a:t> </a:t>
+                      </a:r>
+                      <a:r>
+                        <a:rPr lang="en-US" altLang="zh-TW" dirty="0" smtClean="0"/>
+                        <a:t>14:8</a:t>
+                      </a:r>
+                      <a:endParaRPr lang="zh-TW" altLang="en-US" dirty="0"/>
+                    </a:p>
+                  </a:txBody>
+                  <a:tcPr/>
+                </a:tc>
+                <a:tc>
+                  <a:txBody>
+                    <a:bodyPr/>
+                    <a:lstStyle/>
+                    <a:p>
+                      <a:pPr algn="ctr"/>
+                      <a:r>
+                        <a:rPr lang="en-US" altLang="zh-TW" dirty="0" smtClean="0"/>
+                        <a:t>HSW 7:0</a:t>
+                      </a:r>
+                      <a:endParaRPr lang="zh-TW" altLang="en-US" dirty="0"/>
+                    </a:p>
+                  </a:txBody>
+                  <a:tcPr/>
+                </a:tc>
+                <a:tc>
+                  <a:txBody>
+                    <a:bodyPr/>
+                    <a:lstStyle/>
+                    <a:p>
+                      <a:pPr algn="ctr"/>
+                      <a:r>
+                        <a:rPr lang="en-US" altLang="zh-TW" dirty="0" smtClean="0"/>
+                        <a:t>VSP, VSW</a:t>
+                      </a:r>
+                      <a:r>
+                        <a:rPr lang="en-US" altLang="zh-TW" baseline="0" dirty="0" smtClean="0"/>
+                        <a:t> 14:8</a:t>
+                      </a:r>
+                      <a:endParaRPr lang="zh-TW" altLang="en-US" dirty="0"/>
+                    </a:p>
+                  </a:txBody>
+                  <a:tcPr/>
+                </a:tc>
+                <a:tc>
+                  <a:txBody>
+                    <a:bodyPr/>
+                    <a:lstStyle/>
+                    <a:p>
+                      <a:pPr algn="ctr"/>
+                      <a:r>
+                        <a:rPr lang="en-US" altLang="zh-TW" dirty="0" smtClean="0"/>
+                        <a:t>VSW 7:0</a:t>
+                      </a:r>
+                      <a:endParaRPr lang="zh-TW" altLang="en-US" dirty="0"/>
+                    </a:p>
+                  </a:txBody>
+                  <a:tcPr/>
+                </a:tc>
+                <a:tc>
+                  <a:txBody>
+                    <a:bodyPr/>
+                    <a:lstStyle/>
+                    <a:p>
+                      <a:pPr algn="ctr"/>
+                      <a:endParaRPr lang="zh-TW" altLang="en-US" dirty="0"/>
+                    </a:p>
+                  </a:txBody>
+                  <a:tcPr/>
+                </a:tc>
+                <a:extLst>
+                  <a:ext uri="{0D108BD9-81ED-4DB2-BD59-A6C34878D82A}">
+                    <a16:rowId xmlns:a16="http://schemas.microsoft.com/office/drawing/2014/main" val="4283272505"/>
+                  </a:ext>
+                </a:extLst>
+              </a:tr>
+              <a:tr h="370840">
+                <a:tc>
+                  <a:txBody>
+                    <a:bodyPr/>
+                    <a:lstStyle/>
+                    <a:p>
+                      <a:pPr algn="ctr"/>
+                      <a:r>
+                        <a:rPr lang="en-US" altLang="zh-TW" dirty="0" smtClean="0"/>
+                        <a:t>25</a:t>
+                      </a:r>
+                      <a:endParaRPr lang="zh-TW" altLang="en-US" dirty="0"/>
+                    </a:p>
+                  </a:txBody>
+                  <a:tcPr/>
+                </a:tc>
+                <a:tc>
+                  <a:txBody>
+                    <a:bodyPr/>
+                    <a:lstStyle/>
+                    <a:p>
+                      <a:pPr algn="ctr"/>
+                      <a:r>
+                        <a:rPr lang="en-US" altLang="zh-TW" dirty="0" smtClean="0"/>
+                        <a:t>26</a:t>
+                      </a:r>
+                      <a:endParaRPr lang="zh-TW" altLang="en-US" dirty="0"/>
+                    </a:p>
+                  </a:txBody>
+                  <a:tcPr/>
+                </a:tc>
+                <a:tc>
+                  <a:txBody>
+                    <a:bodyPr/>
+                    <a:lstStyle/>
+                    <a:p>
+                      <a:pPr algn="ctr"/>
+                      <a:r>
+                        <a:rPr lang="en-US" altLang="zh-TW" dirty="0" smtClean="0"/>
+                        <a:t>27</a:t>
+                      </a:r>
+                      <a:endParaRPr lang="zh-TW" altLang="en-US" dirty="0"/>
+                    </a:p>
+                  </a:txBody>
+                  <a:tcPr/>
+                </a:tc>
+                <a:tc>
+                  <a:txBody>
+                    <a:bodyPr/>
+                    <a:lstStyle/>
+                    <a:p>
+                      <a:pPr algn="ctr"/>
+                      <a:r>
+                        <a:rPr lang="en-US" altLang="zh-TW" dirty="0" smtClean="0"/>
+                        <a:t>28</a:t>
+                      </a:r>
+                      <a:endParaRPr lang="zh-TW" altLang="en-US" dirty="0"/>
+                    </a:p>
+                  </a:txBody>
+                  <a:tcPr/>
+                </a:tc>
+                <a:tc>
+                  <a:txBody>
+                    <a:bodyPr/>
+                    <a:lstStyle/>
+                    <a:p>
+                      <a:pPr algn="ctr"/>
+                      <a:endParaRPr lang="zh-TW" altLang="en-US" dirty="0"/>
+                    </a:p>
+                  </a:txBody>
+                  <a:tcPr/>
+                </a:tc>
+                <a:extLst>
+                  <a:ext uri="{0D108BD9-81ED-4DB2-BD59-A6C34878D82A}">
+                    <a16:rowId xmlns:a16="http://schemas.microsoft.com/office/drawing/2014/main" val="2379602908"/>
+                  </a:ext>
+                </a:extLst>
+              </a:tr>
+            </a:tbl>
+          </a:graphicData>
+        </a:graphic>
+      </p:graphicFrame>
+    </p:spTree>
+    <p:extLst>
+      <p:ext uri="{BB962C8B-B14F-4D97-AF65-F5344CB8AC3E}">
+        <p14:creationId xmlns:p14="http://schemas.microsoft.com/office/powerpoint/2010/main" val="1700808433"/>
+      </p:ext>
+    </p:extLst>
+  </p:cSld>
+  <p:clrMapOvr>
+    <a:masterClrMapping/>
+  </p:clrMapOvr>
+</p:sld>
+</file>
+
+<file path=ppt/slides/slide14.xml><?xml version="1.0" encoding="utf-8"?>
+<p:sld xmlns:a="http://schemas.openxmlformats.org/drawingml/2006/main" xmlns:r="http://schemas.openxmlformats.org/officeDocument/2006/relationships" xmlns:p="http://schemas.openxmlformats.org/presentationml/2006/main">
+  <p:cSld>
+    <p:spTree>
+      <p:nvGrpSpPr>
+        <p:cNvPr id="1" name=""/>
+        <p:cNvGrpSpPr/>
+        <p:nvPr/>
+      </p:nvGrpSpPr>
+      <p:grpSpPr>
+        <a:xfrm>
+          <a:off x="0" y="0"/>
+          <a:ext cx="0" cy="0"/>
+          <a:chOff x="0" y="0"/>
+          <a:chExt cx="0" cy="0"/>
+        </a:xfrm>
+      </p:grpSpPr>
+      <p:sp>
+        <p:nvSpPr>
+          <p:cNvPr id="2" name="標題 1"/>
+          <p:cNvSpPr>
+            <a:spLocks noGrp="1"/>
+          </p:cNvSpPr>
+          <p:nvPr>
+            <p:ph type="title"/>
+          </p:nvPr>
+        </p:nvSpPr>
+        <p:spPr/>
+        <p:txBody>
+          <a:bodyPr/>
+          <a:lstStyle/>
+          <a:p>
+            <a:r>
+              <a:rPr lang="en-US" altLang="zh-TW" dirty="0" smtClean="0"/>
               <a:t>TBD</a:t>
             </a:r>
             <a:endParaRPr lang="zh-TW" altLang="en-US" dirty="0"/>
@@ -5208,11 +6555,7 @@
             <a:pPr lvl="1"/>
             <a:r>
               <a:rPr lang="en-US" altLang="zh-TW" sz="2000" dirty="0" smtClean="0"/>
-              <a:t>Given DP signal as input, program transforms the input DP signal into USB4 Tunneled Packet</a:t>
-            </a:r>
-            <a:r>
-              <a:rPr lang="en-US" altLang="zh-TW" sz="2000" dirty="0" smtClean="0"/>
-              <a:t>.</a:t>
+              <a:t>Given DP signal as input, program transforms the input DP signal into USB4 Tunneled Packet.</a:t>
             </a:r>
           </a:p>
           <a:p>
@@ -5229,39 +6572,7 @@
             <a:pPr lvl="1"/>
             <a:r>
               <a:rPr lang="en-US" altLang="zh-TW" sz="2000" dirty="0" smtClean="0"/>
-              <a:t>Program </a:t>
-            </a:r>
-            <a:r>
-              <a:rPr lang="en-US" altLang="zh-TW" sz="2000" dirty="0" smtClean="0"/>
-              <a:t>generates </a:t>
-            </a:r>
-            <a:r>
-              <a:rPr lang="en-US" altLang="zh-TW" sz="2000" dirty="0" smtClean="0"/>
-              <a:t>the USB4 Tunneled Packet according to </a:t>
-            </a:r>
-            <a:r>
-              <a:rPr lang="en-US" altLang="zh-TW" sz="2000" dirty="0" smtClean="0"/>
-              <a:t>the</a:t>
-            </a:r>
-            <a:r>
-              <a:rPr lang="en-US" altLang="zh-TW" sz="2000" dirty="0" smtClean="0"/>
-              <a:t> </a:t>
-            </a:r>
-            <a:r>
-              <a:rPr lang="en-US" altLang="zh-TW" sz="2000" dirty="0" smtClean="0"/>
-              <a:t>given </a:t>
-            </a:r>
-            <a:r>
-              <a:rPr lang="en-US" altLang="zh-TW" sz="2000" dirty="0" smtClean="0"/>
-              <a:t>packet </a:t>
-            </a:r>
-            <a:r>
-              <a:rPr lang="en-US" altLang="zh-TW" sz="2000" dirty="0" smtClean="0"/>
-              <a:t>type and value of each </a:t>
-            </a:r>
-            <a:r>
-              <a:rPr lang="en-US" altLang="zh-TW" sz="2000" dirty="0" smtClean="0"/>
-              <a:t>fields.</a:t>
+              <a:t>Program generates the USB4 Tunneled Packet according to the given packet type and value of each fields.</a:t>
             </a:r>
             <a:endParaRPr lang="zh-TW" altLang="en-US" sz="2000" dirty="0"/>
           </a:p>
@@ -6605,8 +7916,13 @@
             </a:r>
             <a:r>
               <a:rPr lang="en-US" altLang="zh-TW" sz="2000" dirty="0" smtClean="0"/>
-              <a:t> &lt;Fill Count&gt; &lt;Lane Number&gt;</a:t>
-            </a:r>
+              <a:t> &lt;Fill Count</a:t>
+            </a:r>
+            <a:r>
+              <a:rPr lang="en-US" altLang="zh-TW" sz="2000" dirty="0" smtClean="0"/>
+              <a:t>&gt;</a:t>
+            </a:r>
+            <a:endParaRPr lang="en-US" altLang="zh-TW" sz="2000" dirty="0" smtClean="0"/>
           </a:p>
           <a:p>
             <a:pPr lvl="1"/>
@@ -6620,8 +7936,17 @@
             </a:r>
             <a:r>
               <a:rPr lang="en-US" altLang="zh-TW" sz="2000" dirty="0" smtClean="0"/>
-              <a:t> &lt;SR&gt; &lt;CP&gt; &lt;Fill Count&gt; &lt;Lane Number&gt;</a:t>
-            </a:r>
+              <a:t> &lt;SR&gt; &lt;CP&gt; &lt;Fill </a:t>
+            </a:r>
+            <a:r>
+              <a:rPr lang="en-US" altLang="zh-TW" sz="2000" dirty="0" smtClean="0"/>
+              <a:t>Count</a:t>
+            </a:r>
+            <a:r>
+              <a:rPr lang="en-US" altLang="zh-TW" sz="2000" dirty="0"/>
+              <a:t>&gt;</a:t>
+            </a:r>
+            <a:endParaRPr lang="en-US" altLang="zh-TW" sz="2000" dirty="0" smtClean="0"/>
           </a:p>
           <a:p>
             <a:pPr lvl="1"/>
@@ -6971,7 +8296,7 @@
       </p:sp>
       <p:pic>
         <p:nvPicPr>
-          <p:cNvPr id="5" name="圖片 4"/>
+          <p:cNvPr id="6" name="圖片 5"/>
           <p:cNvPicPr>
             <a:picLocks noChangeAspect="1"/>
           </p:cNvPicPr>
@@ -6985,8 +8310,8 @@
         </p:blipFill>
         <p:spPr>
           <a:xfrm>
-            <a:off x="2695158" y="4996207"/>
-            <a:ext cx="5994311" cy="1492461"/>
+            <a:off x="2387044" y="5108815"/>
+            <a:ext cx="6494758" cy="1236525"/>
           </a:xfrm>
           <a:prstGeom prst="rect">
             <a:avLst/>
@@ -7318,13 +8643,13 @@
         </p:nvPicPr>
         <p:blipFill rotWithShape="1">
           <a:blip r:embed="rId5"/>
-          <a:srcRect r="78446" b="70086"/>
+          <a:srcRect r="82761" b="69477"/>
           <a:stretch/>
         </p:blipFill>
         <p:spPr>
           <a:xfrm>
             <a:off x="6793547" y="5254934"/>
-            <a:ext cx="1174199" cy="405767"/>
+            <a:ext cx="939165" cy="414029"/>
           </a:xfrm>
           <a:prstGeom prst="rect">
             <a:avLst/>
@@ -7682,13 +9007,13 @@
         </p:nvPicPr>
         <p:blipFill rotWithShape="1">
           <a:blip r:embed="rId4"/>
-          <a:srcRect l="1" t="27106" r="69818" b="45928"/>
+          <a:srcRect l="1" t="27106" r="74263" b="47402"/>
           <a:stretch/>
         </p:blipFill>
         <p:spPr>
           <a:xfrm>
             <a:off x="6532253" y="5161283"/>
-            <a:ext cx="1644232" cy="365760"/>
+            <a:ext cx="1402072" cy="345755"/>
           </a:xfrm>
           <a:prstGeom prst="rect">
             <a:avLst/>
